--- a/Chapter7/Figures/Fig15.pptx
+++ b/Chapter7/Figures/Fig15.pptx
@@ -7,7 +7,7 @@
   <p:sldIdLst>
     <p:sldId id="256" r:id="rId2"/>
   </p:sldIdLst>
-  <p:sldSz cx="11880850" cy="7380288"/>
+  <p:sldSz cx="12061825" cy="8101013"/>
   <p:notesSz cx="6858000" cy="9144000"/>
   <p:defaultTextStyle>
     <a:defPPr>
@@ -136,8 +136,8 @@
         </p:nvSpPr>
         <p:spPr>
           <a:xfrm>
-            <a:off x="891066" y="2292675"/>
-            <a:ext cx="10098722" cy="1581978"/>
+            <a:off x="904639" y="2516568"/>
+            <a:ext cx="10252551" cy="1736466"/>
           </a:xfrm>
         </p:spPr>
         <p:txBody>
@@ -164,8 +164,8 @@
         </p:nvSpPr>
         <p:spPr>
           <a:xfrm>
-            <a:off x="1782133" y="4182169"/>
-            <a:ext cx="8316597" cy="1886074"/>
+            <a:off x="1809284" y="4590580"/>
+            <a:ext cx="8443280" cy="2070260"/>
           </a:xfrm>
         </p:spPr>
         <p:txBody>
@@ -288,7 +288,7 @@
           <a:p>
             <a:fld id="{CD20A500-FEA0-4616-8B98-CEFC2CF4ADEA}" type="datetimeFigureOut">
               <a:rPr lang="en-GB" smtClean="0"/>
-              <a:t>05/06/2014</a:t>
+              <a:t>10/09/2014</a:t>
             </a:fld>
             <a:endParaRPr lang="en-GB"/>
           </a:p>
@@ -458,7 +458,7 @@
           <a:p>
             <a:fld id="{CD20A500-FEA0-4616-8B98-CEFC2CF4ADEA}" type="datetimeFigureOut">
               <a:rPr lang="en-GB" smtClean="0"/>
-              <a:t>05/06/2014</a:t>
+              <a:t>10/09/2014</a:t>
             </a:fld>
             <a:endParaRPr lang="en-GB"/>
           </a:p>
@@ -548,8 +548,8 @@
         </p:nvSpPr>
         <p:spPr>
           <a:xfrm>
-            <a:off x="8613623" y="295559"/>
-            <a:ext cx="2673191" cy="6297163"/>
+            <a:off x="8744835" y="324424"/>
+            <a:ext cx="2713910" cy="6912115"/>
           </a:xfrm>
         </p:spPr>
         <p:txBody>
@@ -576,8 +576,8 @@
         </p:nvSpPr>
         <p:spPr>
           <a:xfrm>
-            <a:off x="594048" y="295559"/>
-            <a:ext cx="7821559" cy="6297163"/>
+            <a:off x="603101" y="324424"/>
+            <a:ext cx="7940701" cy="6912115"/>
           </a:xfrm>
         </p:spPr>
         <p:txBody>
@@ -638,7 +638,7 @@
           <a:p>
             <a:fld id="{CD20A500-FEA0-4616-8B98-CEFC2CF4ADEA}" type="datetimeFigureOut">
               <a:rPr lang="en-GB" smtClean="0"/>
-              <a:t>05/06/2014</a:t>
+              <a:t>10/09/2014</a:t>
             </a:fld>
             <a:endParaRPr lang="en-GB"/>
           </a:p>
@@ -808,7 +808,7 @@
           <a:p>
             <a:fld id="{CD20A500-FEA0-4616-8B98-CEFC2CF4ADEA}" type="datetimeFigureOut">
               <a:rPr lang="en-GB" smtClean="0"/>
-              <a:t>05/06/2014</a:t>
+              <a:t>10/09/2014</a:t>
             </a:fld>
             <a:endParaRPr lang="en-GB"/>
           </a:p>
@@ -898,8 +898,8 @@
         </p:nvSpPr>
         <p:spPr>
           <a:xfrm>
-            <a:off x="938507" y="4742520"/>
-            <a:ext cx="10098722" cy="1465806"/>
+            <a:off x="952803" y="5205654"/>
+            <a:ext cx="10252551" cy="1608949"/>
           </a:xfrm>
         </p:spPr>
         <p:txBody>
@@ -930,8 +930,8 @@
         </p:nvSpPr>
         <p:spPr>
           <a:xfrm>
-            <a:off x="938507" y="3128089"/>
-            <a:ext cx="10098722" cy="1614437"/>
+            <a:off x="952803" y="3433566"/>
+            <a:ext cx="10252551" cy="1772095"/>
           </a:xfrm>
         </p:spPr>
         <p:txBody>
@@ -1054,7 +1054,7 @@
           <a:p>
             <a:fld id="{CD20A500-FEA0-4616-8B98-CEFC2CF4ADEA}" type="datetimeFigureOut">
               <a:rPr lang="en-GB" smtClean="0"/>
-              <a:t>05/06/2014</a:t>
+              <a:t>10/09/2014</a:t>
             </a:fld>
             <a:endParaRPr lang="en-GB"/>
           </a:p>
@@ -1167,8 +1167,8 @@
         </p:nvSpPr>
         <p:spPr>
           <a:xfrm>
-            <a:off x="594046" y="1722069"/>
-            <a:ext cx="5247375" cy="4870649"/>
+            <a:off x="603095" y="1890241"/>
+            <a:ext cx="5327306" cy="5346295"/>
           </a:xfrm>
         </p:spPr>
         <p:txBody>
@@ -1252,8 +1252,8 @@
         </p:nvSpPr>
         <p:spPr>
           <a:xfrm>
-            <a:off x="6039438" y="1722069"/>
-            <a:ext cx="5247375" cy="4870649"/>
+            <a:off x="6131438" y="1890241"/>
+            <a:ext cx="5327306" cy="5346295"/>
           </a:xfrm>
         </p:spPr>
         <p:txBody>
@@ -1342,7 +1342,7 @@
           <a:p>
             <a:fld id="{CD20A500-FEA0-4616-8B98-CEFC2CF4ADEA}" type="datetimeFigureOut">
               <a:rPr lang="en-GB" smtClean="0"/>
-              <a:t>05/06/2014</a:t>
+              <a:t>10/09/2014</a:t>
             </a:fld>
             <a:endParaRPr lang="en-GB"/>
           </a:p>
@@ -1459,8 +1459,8 @@
         </p:nvSpPr>
         <p:spPr>
           <a:xfrm>
-            <a:off x="594043" y="1652023"/>
-            <a:ext cx="5249438" cy="688486"/>
+            <a:off x="603092" y="1813353"/>
+            <a:ext cx="5329400" cy="755721"/>
           </a:xfrm>
         </p:spPr>
         <p:txBody>
@@ -1524,8 +1524,8 @@
         </p:nvSpPr>
         <p:spPr>
           <a:xfrm>
-            <a:off x="594043" y="2340513"/>
-            <a:ext cx="5249438" cy="4252208"/>
+            <a:off x="603092" y="2569080"/>
+            <a:ext cx="5329400" cy="4667459"/>
           </a:xfrm>
         </p:spPr>
         <p:txBody>
@@ -1609,8 +1609,8 @@
         </p:nvSpPr>
         <p:spPr>
           <a:xfrm>
-            <a:off x="6035314" y="1652023"/>
-            <a:ext cx="5251499" cy="688486"/>
+            <a:off x="6127252" y="1813353"/>
+            <a:ext cx="5331492" cy="755721"/>
           </a:xfrm>
         </p:spPr>
         <p:txBody>
@@ -1674,8 +1674,8 @@
         </p:nvSpPr>
         <p:spPr>
           <a:xfrm>
-            <a:off x="6035314" y="2340513"/>
-            <a:ext cx="5251499" cy="4252208"/>
+            <a:off x="6127252" y="2569080"/>
+            <a:ext cx="5331492" cy="4667459"/>
           </a:xfrm>
         </p:spPr>
         <p:txBody>
@@ -1764,7 +1764,7 @@
           <a:p>
             <a:fld id="{CD20A500-FEA0-4616-8B98-CEFC2CF4ADEA}" type="datetimeFigureOut">
               <a:rPr lang="en-GB" smtClean="0"/>
-              <a:t>05/06/2014</a:t>
+              <a:t>10/09/2014</a:t>
             </a:fld>
             <a:endParaRPr lang="en-GB"/>
           </a:p>
@@ -1882,7 +1882,7 @@
           <a:p>
             <a:fld id="{CD20A500-FEA0-4616-8B98-CEFC2CF4ADEA}" type="datetimeFigureOut">
               <a:rPr lang="en-GB" smtClean="0"/>
-              <a:t>05/06/2014</a:t>
+              <a:t>10/09/2014</a:t>
             </a:fld>
             <a:endParaRPr lang="en-GB"/>
           </a:p>
@@ -1977,7 +1977,7 @@
           <a:p>
             <a:fld id="{CD20A500-FEA0-4616-8B98-CEFC2CF4ADEA}" type="datetimeFigureOut">
               <a:rPr lang="en-GB" smtClean="0"/>
-              <a:t>05/06/2014</a:t>
+              <a:t>10/09/2014</a:t>
             </a:fld>
             <a:endParaRPr lang="en-GB"/>
           </a:p>
@@ -2067,8 +2067,8 @@
         </p:nvSpPr>
         <p:spPr>
           <a:xfrm>
-            <a:off x="594048" y="293844"/>
-            <a:ext cx="3908719" cy="1250548"/>
+            <a:off x="603101" y="322542"/>
+            <a:ext cx="3968259" cy="1372671"/>
           </a:xfrm>
         </p:spPr>
         <p:txBody>
@@ -2099,8 +2099,8 @@
         </p:nvSpPr>
         <p:spPr>
           <a:xfrm>
-            <a:off x="4645084" y="293852"/>
-            <a:ext cx="6641725" cy="6298872"/>
+            <a:off x="4715841" y="322550"/>
+            <a:ext cx="6742895" cy="6913991"/>
           </a:xfrm>
         </p:spPr>
         <p:txBody>
@@ -2184,8 +2184,8 @@
         </p:nvSpPr>
         <p:spPr>
           <a:xfrm>
-            <a:off x="594048" y="1544395"/>
-            <a:ext cx="3908719" cy="5048322"/>
+            <a:off x="603101" y="1695214"/>
+            <a:ext cx="3968259" cy="5541318"/>
           </a:xfrm>
         </p:spPr>
         <p:txBody>
@@ -2254,7 +2254,7 @@
           <a:p>
             <a:fld id="{CD20A500-FEA0-4616-8B98-CEFC2CF4ADEA}" type="datetimeFigureOut">
               <a:rPr lang="en-GB" smtClean="0"/>
-              <a:t>05/06/2014</a:t>
+              <a:t>10/09/2014</a:t>
             </a:fld>
             <a:endParaRPr lang="en-GB"/>
           </a:p>
@@ -2344,8 +2344,8 @@
         </p:nvSpPr>
         <p:spPr>
           <a:xfrm>
-            <a:off x="2328732" y="5166208"/>
-            <a:ext cx="7128510" cy="609899"/>
+            <a:off x="2364204" y="5670718"/>
+            <a:ext cx="7237095" cy="669458"/>
           </a:xfrm>
         </p:spPr>
         <p:txBody>
@@ -2376,8 +2376,8 @@
         </p:nvSpPr>
         <p:spPr>
           <a:xfrm>
-            <a:off x="2328732" y="659443"/>
-            <a:ext cx="7128510" cy="4428173"/>
+            <a:off x="2364204" y="723843"/>
+            <a:ext cx="7237095" cy="4860608"/>
           </a:xfrm>
         </p:spPr>
         <p:txBody>
@@ -2437,8 +2437,8 @@
         </p:nvSpPr>
         <p:spPr>
           <a:xfrm>
-            <a:off x="2328732" y="5776102"/>
-            <a:ext cx="7128510" cy="866158"/>
+            <a:off x="2364204" y="6340171"/>
+            <a:ext cx="7237095" cy="950743"/>
           </a:xfrm>
         </p:spPr>
         <p:txBody>
@@ -2507,7 +2507,7 @@
           <a:p>
             <a:fld id="{CD20A500-FEA0-4616-8B98-CEFC2CF4ADEA}" type="datetimeFigureOut">
               <a:rPr lang="en-GB" smtClean="0"/>
-              <a:t>05/06/2014</a:t>
+              <a:t>10/09/2014</a:t>
             </a:fld>
             <a:endParaRPr lang="en-GB"/>
           </a:p>
@@ -2602,8 +2602,8 @@
         </p:nvSpPr>
         <p:spPr>
           <a:xfrm>
-            <a:off x="594048" y="295554"/>
-            <a:ext cx="10692767" cy="1230048"/>
+            <a:off x="603101" y="324418"/>
+            <a:ext cx="10855645" cy="1350169"/>
           </a:xfrm>
           <a:prstGeom prst="rect">
             <a:avLst/>
@@ -2635,8 +2635,8 @@
         </p:nvSpPr>
         <p:spPr>
           <a:xfrm>
-            <a:off x="594048" y="1722069"/>
-            <a:ext cx="10692767" cy="4870649"/>
+            <a:off x="603101" y="1890241"/>
+            <a:ext cx="10855645" cy="5346295"/>
           </a:xfrm>
           <a:prstGeom prst="rect">
             <a:avLst/>
@@ -2697,8 +2697,8 @@
         </p:nvSpPr>
         <p:spPr>
           <a:xfrm>
-            <a:off x="594048" y="6840439"/>
-            <a:ext cx="2772199" cy="392933"/>
+            <a:off x="603098" y="7508446"/>
+            <a:ext cx="2814427" cy="431305"/>
           </a:xfrm>
           <a:prstGeom prst="rect">
             <a:avLst/>
@@ -2720,7 +2720,7 @@
           <a:p>
             <a:fld id="{CD20A500-FEA0-4616-8B98-CEFC2CF4ADEA}" type="datetimeFigureOut">
               <a:rPr lang="en-GB" smtClean="0"/>
-              <a:t>05/06/2014</a:t>
+              <a:t>10/09/2014</a:t>
             </a:fld>
             <a:endParaRPr lang="en-GB"/>
           </a:p>
@@ -2738,8 +2738,8 @@
         </p:nvSpPr>
         <p:spPr>
           <a:xfrm>
-            <a:off x="4059297" y="6840439"/>
-            <a:ext cx="3762269" cy="392933"/>
+            <a:off x="4121135" y="7508446"/>
+            <a:ext cx="3819578" cy="431305"/>
           </a:xfrm>
           <a:prstGeom prst="rect">
             <a:avLst/>
@@ -2775,8 +2775,8 @@
         </p:nvSpPr>
         <p:spPr>
           <a:xfrm>
-            <a:off x="8514616" y="6840439"/>
-            <a:ext cx="2772199" cy="392933"/>
+            <a:off x="8644319" y="7508446"/>
+            <a:ext cx="2814427" cy="431305"/>
           </a:xfrm>
           <a:prstGeom prst="rect">
             <a:avLst/>
@@ -3097,7 +3097,7 @@
       </p:grpSpPr>
       <p:pic>
         <p:nvPicPr>
-          <p:cNvPr id="226" name="Picture 7" descr="C:\Users\Wendy\Documents\wwn20\Thesis\Chapter7\Figures\Fig15\TM_flat.png"/>
+          <p:cNvPr id="272" name="Picture 7" descr="C:\Users\Wendy\Documents\wwn20\Thesis\Chapter7\Figures\Fig15\TM_flat.png"/>
           <p:cNvPicPr>
             <a:picLocks noChangeAspect="1" noChangeArrowheads="1"/>
           </p:cNvPicPr>
@@ -3116,7 +3116,7 @@
         </p:blipFill>
         <p:spPr bwMode="auto">
           <a:xfrm>
-            <a:off x="7153076" y="377169"/>
+            <a:off x="7153076" y="1118066"/>
             <a:ext cx="3780415" cy="3707319"/>
           </a:xfrm>
           <a:prstGeom prst="rect">
@@ -3136,7 +3136,7 @@
       </p:pic>
       <p:pic>
         <p:nvPicPr>
-          <p:cNvPr id="227" name="Picture 4" descr="C:\Users\Wendy\Documents\wwn20\Thesis\Chapter7\Figures\Fig15\TE_0.png"/>
+          <p:cNvPr id="273" name="Picture 4" descr="C:\Users\Wendy\Documents\wwn20\Thesis\Chapter7\Figures\Fig15\TE_0.png"/>
           <p:cNvPicPr>
             <a:picLocks noChangeAspect="1" noChangeArrowheads="1"/>
           </p:cNvPicPr>
@@ -3155,7 +3155,7 @@
         </p:blipFill>
         <p:spPr bwMode="auto">
           <a:xfrm>
-            <a:off x="3745425" y="377169"/>
+            <a:off x="3745425" y="1118066"/>
             <a:ext cx="3796498" cy="3707319"/>
           </a:xfrm>
           <a:prstGeom prst="rect">
@@ -3175,7 +3175,7 @@
       </p:pic>
       <p:pic>
         <p:nvPicPr>
-          <p:cNvPr id="228" name="Picture 2" descr="C:\Users\Wendy\Documents\wwn20\Thesis\Chapter7\Figures\Fig15\TM_0.png"/>
+          <p:cNvPr id="274" name="Picture 2" descr="C:\Users\Wendy\Documents\wwn20\Thesis\Chapter7\Figures\Fig15\TM_0.png"/>
           <p:cNvPicPr>
             <a:picLocks noChangeAspect="1" noChangeArrowheads="1"/>
           </p:cNvPicPr>
@@ -3194,7 +3194,7 @@
         </p:blipFill>
         <p:spPr bwMode="auto">
           <a:xfrm>
-            <a:off x="332374" y="361347"/>
+            <a:off x="332374" y="1102244"/>
             <a:ext cx="3813779" cy="3723141"/>
           </a:xfrm>
           <a:prstGeom prst="rect">
@@ -3214,7 +3214,7 @@
       </p:pic>
       <p:pic>
         <p:nvPicPr>
-          <p:cNvPr id="229" name="Picture 8" descr="C:\Users\Wendy\Documents\wwn20\Thesis\Chapter7\Figures\Fig15\TE_0_theta20.png"/>
+          <p:cNvPr id="275" name="Picture 8" descr="C:\Users\Wendy\Documents\wwn20\Thesis\Chapter7\Figures\Fig15\TE_0_theta20.png"/>
           <p:cNvPicPr>
             <a:picLocks noChangeAspect="1" noChangeArrowheads="1"/>
           </p:cNvPicPr>
@@ -3235,7 +3235,7 @@
         </p:blipFill>
         <p:spPr bwMode="auto">
           <a:xfrm>
-            <a:off x="3995849" y="4284512"/>
+            <a:off x="3995849" y="5025409"/>
             <a:ext cx="3295650" cy="3019425"/>
           </a:xfrm>
           <a:prstGeom prst="rect">
@@ -3255,7 +3255,7 @@
       </p:pic>
       <p:pic>
         <p:nvPicPr>
-          <p:cNvPr id="230" name="Picture 9" descr="C:\Users\Wendy\Documents\wwn20\Thesis\Chapter7\Figures\Fig15\TM_0_theta20.png"/>
+          <p:cNvPr id="276" name="Picture 9" descr="C:\Users\Wendy\Documents\wwn20\Thesis\Chapter7\Figures\Fig15\TM_0_theta20.png"/>
           <p:cNvPicPr>
             <a:picLocks noChangeAspect="1" noChangeArrowheads="1"/>
           </p:cNvPicPr>
@@ -3276,7 +3276,7 @@
         </p:blipFill>
         <p:spPr bwMode="auto">
           <a:xfrm>
-            <a:off x="691121" y="4284513"/>
+            <a:off x="691121" y="5025410"/>
             <a:ext cx="3314700" cy="3019425"/>
           </a:xfrm>
           <a:prstGeom prst="rect">
@@ -3296,7 +3296,7 @@
       </p:pic>
       <p:pic>
         <p:nvPicPr>
-          <p:cNvPr id="231" name="Picture 10" descr="C:\Users\Wendy\Documents\wwn20\Thesis\Chapter7\Figures\Fig15\TM_flat_theta20.png"/>
+          <p:cNvPr id="277" name="Picture 10" descr="C:\Users\Wendy\Documents\wwn20\Thesis\Chapter7\Figures\Fig15\TM_flat_theta20.png"/>
           <p:cNvPicPr>
             <a:picLocks noChangeAspect="1" noChangeArrowheads="1"/>
           </p:cNvPicPr>
@@ -3317,7 +3317,7 @@
         </p:blipFill>
         <p:spPr bwMode="auto">
           <a:xfrm>
-            <a:off x="7406091" y="4284513"/>
+            <a:off x="7406091" y="5025410"/>
             <a:ext cx="3295650" cy="3019425"/>
           </a:xfrm>
           <a:prstGeom prst="rect">
@@ -3337,13 +3337,13 @@
       </p:pic>
       <p:sp>
         <p:nvSpPr>
-          <p:cNvPr id="232" name="TextBox 231"/>
+          <p:cNvPr id="278" name="TextBox 277"/>
           <p:cNvSpPr txBox="1"/>
           <p:nvPr/>
         </p:nvSpPr>
         <p:spPr>
           <a:xfrm rot="16200000">
-            <a:off x="-944340" y="1850080"/>
+            <a:off x="-944340" y="2590977"/>
             <a:ext cx="2236840" cy="400110"/>
           </a:xfrm>
           <a:prstGeom prst="rect">
@@ -3373,13 +3373,13 @@
       </p:sp>
       <p:sp>
         <p:nvSpPr>
-          <p:cNvPr id="233" name="TextBox 232"/>
+          <p:cNvPr id="279" name="TextBox 278"/>
           <p:cNvSpPr txBox="1"/>
           <p:nvPr/>
         </p:nvSpPr>
         <p:spPr>
           <a:xfrm>
-            <a:off x="5244286" y="3990366"/>
+            <a:off x="5244286" y="4731263"/>
             <a:ext cx="1294075" cy="400110"/>
           </a:xfrm>
           <a:prstGeom prst="rect">
@@ -3430,7 +3430,7 @@
       </p:sp>
       <p:pic>
         <p:nvPicPr>
-          <p:cNvPr id="234" name="Picture 11" descr="C:\Users\Wendy\Documents\wwn20\Thesis\Chapter7\Figures\Fig15\Scale.png"/>
+          <p:cNvPr id="280" name="Picture 11" descr="C:\Users\Wendy\Documents\wwn20\Thesis\Chapter7\Figures\Fig15\Scale.png"/>
           <p:cNvPicPr>
             <a:picLocks noChangeAspect="1" noChangeArrowheads="1"/>
           </p:cNvPicPr>
@@ -3449,8 +3449,8 @@
         </p:blipFill>
         <p:spPr bwMode="auto">
           <a:xfrm>
-            <a:off x="10929837" y="1502935"/>
-            <a:ext cx="900113" cy="1665620"/>
+            <a:off x="10929837" y="2243832"/>
+            <a:ext cx="1131268" cy="2093362"/>
           </a:xfrm>
           <a:prstGeom prst="rect">
             <a:avLst/>
@@ -3469,21 +3469,23 @@
       </p:pic>
       <p:grpSp>
         <p:nvGrpSpPr>
-          <p:cNvPr id="235" name="Group 234"/>
-          <p:cNvGrpSpPr/>
+          <p:cNvPr id="281" name="Group 280"/>
+          <p:cNvGrpSpPr>
+            <a:grpSpLocks noChangeAspect="1"/>
+          </p:cNvGrpSpPr>
           <p:nvPr/>
         </p:nvGrpSpPr>
         <p:grpSpPr>
           <a:xfrm>
-            <a:off x="5420781" y="48187"/>
-            <a:ext cx="941083" cy="411867"/>
+            <a:off x="4510184" y="17736"/>
+            <a:ext cx="2823249" cy="1235601"/>
             <a:chOff x="6139094" y="2699430"/>
             <a:chExt cx="941083" cy="411867"/>
           </a:xfrm>
         </p:grpSpPr>
         <p:sp>
           <p:nvSpPr>
-            <p:cNvPr id="236" name="Cube 235"/>
+            <p:cNvPr id="282" name="Cube 281"/>
             <p:cNvSpPr/>
             <p:nvPr/>
           </p:nvSpPr>
@@ -3534,7 +3536,7 @@
         </p:sp>
         <p:sp>
           <p:nvSpPr>
-            <p:cNvPr id="237" name="Cube 236"/>
+            <p:cNvPr id="283" name="Cube 282"/>
             <p:cNvSpPr/>
             <p:nvPr/>
           </p:nvSpPr>
@@ -3585,7 +3587,7 @@
         </p:sp>
         <p:sp>
           <p:nvSpPr>
-            <p:cNvPr id="238" name="Cube 237"/>
+            <p:cNvPr id="284" name="Cube 283"/>
             <p:cNvSpPr/>
             <p:nvPr/>
           </p:nvSpPr>
@@ -3636,7 +3638,7 @@
         </p:sp>
         <p:sp>
           <p:nvSpPr>
-            <p:cNvPr id="239" name="Cube 238"/>
+            <p:cNvPr id="285" name="Cube 284"/>
             <p:cNvSpPr/>
             <p:nvPr/>
           </p:nvSpPr>
@@ -3687,7 +3689,7 @@
         </p:sp>
         <p:sp>
           <p:nvSpPr>
-            <p:cNvPr id="240" name="Cube 239"/>
+            <p:cNvPr id="286" name="Cube 285"/>
             <p:cNvSpPr/>
             <p:nvPr/>
           </p:nvSpPr>
@@ -3738,7 +3740,7 @@
         </p:sp>
         <p:sp>
           <p:nvSpPr>
-            <p:cNvPr id="241" name="Cube 240"/>
+            <p:cNvPr id="287" name="Cube 286"/>
             <p:cNvSpPr/>
             <p:nvPr/>
           </p:nvSpPr>
@@ -3789,7 +3791,7 @@
         </p:sp>
         <p:sp>
           <p:nvSpPr>
-            <p:cNvPr id="242" name="Cube 241"/>
+            <p:cNvPr id="288" name="Cube 287"/>
             <p:cNvSpPr/>
             <p:nvPr/>
           </p:nvSpPr>
@@ -3839,7 +3841,7 @@
         </p:sp>
         <p:cxnSp>
           <p:nvCxnSpPr>
-            <p:cNvPr id="243" name="Straight Arrow Connector 242"/>
+            <p:cNvPr id="289" name="Straight Arrow Connector 288"/>
             <p:cNvCxnSpPr/>
             <p:nvPr/>
           </p:nvCxnSpPr>
@@ -3851,7 +3853,7 @@
             <a:prstGeom prst="straightConnector1">
               <a:avLst/>
             </a:prstGeom>
-            <a:ln w="22225">
+            <a:ln w="31750">
               <a:solidFill>
                 <a:schemeClr val="accent2">
                   <a:lumMod val="75000"/>
@@ -3879,21 +3881,23 @@
       </p:grpSp>
       <p:grpSp>
         <p:nvGrpSpPr>
-          <p:cNvPr id="244" name="Group 243"/>
-          <p:cNvGrpSpPr/>
+          <p:cNvPr id="290" name="Group 289"/>
+          <p:cNvGrpSpPr>
+            <a:grpSpLocks noChangeAspect="1"/>
+          </p:cNvGrpSpPr>
           <p:nvPr/>
         </p:nvGrpSpPr>
         <p:grpSpPr>
           <a:xfrm>
-            <a:off x="8780301" y="53523"/>
-            <a:ext cx="941083" cy="411867"/>
+            <a:off x="7869704" y="23072"/>
+            <a:ext cx="2823249" cy="1235601"/>
             <a:chOff x="6352138" y="98041"/>
             <a:chExt cx="941083" cy="411867"/>
           </a:xfrm>
         </p:grpSpPr>
         <p:grpSp>
           <p:nvGrpSpPr>
-            <p:cNvPr id="245" name="Group 244"/>
+            <p:cNvPr id="291" name="Group 290"/>
             <p:cNvGrpSpPr/>
             <p:nvPr/>
           </p:nvGrpSpPr>
@@ -3907,7 +3911,7 @@
           </p:grpSpPr>
           <p:sp>
             <p:nvSpPr>
-              <p:cNvPr id="247" name="Cube 246"/>
+              <p:cNvPr id="293" name="Cube 292"/>
               <p:cNvSpPr/>
               <p:nvPr/>
             </p:nvSpPr>
@@ -3958,7 +3962,7 @@
           </p:sp>
           <p:sp>
             <p:nvSpPr>
-              <p:cNvPr id="248" name="Cube 247"/>
+              <p:cNvPr id="294" name="Cube 293"/>
               <p:cNvSpPr/>
               <p:nvPr/>
             </p:nvSpPr>
@@ -4009,7 +4013,7 @@
         </p:grpSp>
         <p:cxnSp>
           <p:nvCxnSpPr>
-            <p:cNvPr id="246" name="Straight Arrow Connector 245"/>
+            <p:cNvPr id="292" name="Straight Arrow Connector 291"/>
             <p:cNvCxnSpPr/>
             <p:nvPr/>
           </p:nvCxnSpPr>
@@ -4021,7 +4025,7 @@
             <a:prstGeom prst="straightConnector1">
               <a:avLst/>
             </a:prstGeom>
-            <a:ln w="22225">
+            <a:ln w="31750">
               <a:solidFill>
                 <a:schemeClr val="tx1"/>
               </a:solidFill>
@@ -4047,21 +4051,23 @@
       </p:grpSp>
       <p:grpSp>
         <p:nvGrpSpPr>
-          <p:cNvPr id="249" name="Group 248"/>
-          <p:cNvGrpSpPr/>
+          <p:cNvPr id="295" name="Group 294"/>
+          <p:cNvGrpSpPr>
+            <a:grpSpLocks noChangeAspect="1"/>
+          </p:cNvGrpSpPr>
           <p:nvPr/>
         </p:nvGrpSpPr>
         <p:grpSpPr>
           <a:xfrm>
-            <a:off x="2028361" y="57539"/>
-            <a:ext cx="941083" cy="411867"/>
+            <a:off x="1117764" y="27088"/>
+            <a:ext cx="2823249" cy="1235601"/>
             <a:chOff x="5995318" y="2808362"/>
             <a:chExt cx="941083" cy="411867"/>
           </a:xfrm>
         </p:grpSpPr>
         <p:grpSp>
           <p:nvGrpSpPr>
-            <p:cNvPr id="250" name="Group 249"/>
+            <p:cNvPr id="296" name="Group 295"/>
             <p:cNvGrpSpPr/>
             <p:nvPr/>
           </p:nvGrpSpPr>
@@ -4075,7 +4081,7 @@
           </p:grpSpPr>
           <p:sp>
             <p:nvSpPr>
-              <p:cNvPr id="252" name="Cube 251"/>
+              <p:cNvPr id="298" name="Cube 297"/>
               <p:cNvSpPr/>
               <p:nvPr/>
             </p:nvSpPr>
@@ -4126,7 +4132,7 @@
           </p:sp>
           <p:sp>
             <p:nvSpPr>
-              <p:cNvPr id="253" name="Cube 252"/>
+              <p:cNvPr id="299" name="Cube 298"/>
               <p:cNvSpPr/>
               <p:nvPr/>
             </p:nvSpPr>
@@ -4177,7 +4183,7 @@
           </p:sp>
           <p:sp>
             <p:nvSpPr>
-              <p:cNvPr id="254" name="Cube 253"/>
+              <p:cNvPr id="300" name="Cube 299"/>
               <p:cNvSpPr/>
               <p:nvPr/>
             </p:nvSpPr>
@@ -4228,7 +4234,7 @@
           </p:sp>
           <p:sp>
             <p:nvSpPr>
-              <p:cNvPr id="255" name="Cube 254"/>
+              <p:cNvPr id="301" name="Cube 300"/>
               <p:cNvSpPr/>
               <p:nvPr/>
             </p:nvSpPr>
@@ -4279,7 +4285,7 @@
           </p:sp>
           <p:sp>
             <p:nvSpPr>
-              <p:cNvPr id="256" name="Cube 255"/>
+              <p:cNvPr id="302" name="Cube 301"/>
               <p:cNvSpPr/>
               <p:nvPr/>
             </p:nvSpPr>
@@ -4330,7 +4336,7 @@
           </p:sp>
           <p:sp>
             <p:nvSpPr>
-              <p:cNvPr id="257" name="Cube 256"/>
+              <p:cNvPr id="303" name="Cube 302"/>
               <p:cNvSpPr/>
               <p:nvPr/>
             </p:nvSpPr>
@@ -4381,7 +4387,7 @@
           </p:sp>
           <p:sp>
             <p:nvSpPr>
-              <p:cNvPr id="258" name="Cube 257"/>
+              <p:cNvPr id="304" name="Cube 303"/>
               <p:cNvSpPr/>
               <p:nvPr/>
             </p:nvSpPr>
@@ -4432,7 +4438,7 @@
         </p:grpSp>
         <p:cxnSp>
           <p:nvCxnSpPr>
-            <p:cNvPr id="251" name="Straight Arrow Connector 250"/>
+            <p:cNvPr id="297" name="Straight Arrow Connector 296"/>
             <p:cNvCxnSpPr/>
             <p:nvPr/>
           </p:nvCxnSpPr>
@@ -4444,7 +4450,7 @@
             <a:prstGeom prst="straightConnector1">
               <a:avLst/>
             </a:prstGeom>
-            <a:ln w="22225">
+            <a:ln w="31750">
               <a:solidFill>
                 <a:srgbClr val="FF0000"/>
               </a:solidFill>
@@ -4470,13 +4476,13 @@
       </p:grpSp>
       <p:cxnSp>
         <p:nvCxnSpPr>
-          <p:cNvPr id="5" name="Straight Connector 4"/>
+          <p:cNvPr id="305" name="Straight Connector 304"/>
           <p:cNvCxnSpPr/>
           <p:nvPr/>
         </p:nvCxnSpPr>
         <p:spPr>
           <a:xfrm>
-            <a:off x="1395711" y="543837"/>
+            <a:off x="1395711" y="1284734"/>
             <a:ext cx="0" cy="3204000"/>
           </a:xfrm>
           <a:prstGeom prst="line">
@@ -4506,13 +4512,13 @@
       </p:cxnSp>
       <p:cxnSp>
         <p:nvCxnSpPr>
-          <p:cNvPr id="261" name="Straight Connector 260"/>
+          <p:cNvPr id="306" name="Straight Connector 305"/>
           <p:cNvCxnSpPr/>
           <p:nvPr/>
         </p:nvCxnSpPr>
         <p:spPr>
           <a:xfrm>
-            <a:off x="4788297" y="543837"/>
+            <a:off x="4788297" y="1284734"/>
             <a:ext cx="0" cy="3204000"/>
           </a:xfrm>
           <a:prstGeom prst="line">
@@ -4542,13 +4548,13 @@
       </p:cxnSp>
       <p:cxnSp>
         <p:nvCxnSpPr>
-          <p:cNvPr id="262" name="Straight Connector 261"/>
+          <p:cNvPr id="307" name="Straight Connector 306"/>
           <p:cNvCxnSpPr/>
           <p:nvPr/>
         </p:nvCxnSpPr>
         <p:spPr>
           <a:xfrm>
-            <a:off x="8191516" y="543837"/>
+            <a:off x="8191516" y="1284734"/>
             <a:ext cx="0" cy="3204000"/>
           </a:xfrm>
           <a:prstGeom prst="line">
@@ -4578,14 +4584,14 @@
       </p:cxnSp>
       <p:cxnSp>
         <p:nvCxnSpPr>
-          <p:cNvPr id="38" name="Straight Arrow Connector 37"/>
+          <p:cNvPr id="308" name="Straight Arrow Connector 307"/>
           <p:cNvCxnSpPr/>
           <p:nvPr/>
         </p:nvCxnSpPr>
         <p:spPr>
           <a:xfrm>
-            <a:off x="865543" y="1201763"/>
-            <a:ext cx="252000" cy="0"/>
+            <a:off x="865543" y="1942660"/>
+            <a:ext cx="360000" cy="0"/>
           </a:xfrm>
           <a:prstGeom prst="straightConnector1">
             <a:avLst/>
@@ -4614,14 +4620,14 @@
       </p:cxnSp>
       <p:cxnSp>
         <p:nvCxnSpPr>
-          <p:cNvPr id="39" name="Straight Arrow Connector 38"/>
+          <p:cNvPr id="309" name="Straight Arrow Connector 308"/>
           <p:cNvCxnSpPr/>
           <p:nvPr/>
         </p:nvCxnSpPr>
         <p:spPr>
           <a:xfrm>
-            <a:off x="858448" y="1354163"/>
-            <a:ext cx="252000" cy="0"/>
+            <a:off x="858448" y="2095060"/>
+            <a:ext cx="360000" cy="0"/>
           </a:xfrm>
           <a:prstGeom prst="straightConnector1">
             <a:avLst/>
@@ -4650,14 +4656,14 @@
       </p:cxnSp>
       <p:cxnSp>
         <p:nvCxnSpPr>
-          <p:cNvPr id="40" name="Straight Arrow Connector 39"/>
+          <p:cNvPr id="310" name="Straight Arrow Connector 309"/>
           <p:cNvCxnSpPr/>
           <p:nvPr/>
         </p:nvCxnSpPr>
         <p:spPr>
           <a:xfrm>
-            <a:off x="4241709" y="1173693"/>
-            <a:ext cx="252000" cy="0"/>
+            <a:off x="4241709" y="1914590"/>
+            <a:ext cx="360000" cy="0"/>
           </a:xfrm>
           <a:prstGeom prst="straightConnector1">
             <a:avLst/>
@@ -4688,14 +4694,14 @@
       </p:cxnSp>
       <p:cxnSp>
         <p:nvCxnSpPr>
-          <p:cNvPr id="41" name="Straight Arrow Connector 40"/>
+          <p:cNvPr id="311" name="Straight Arrow Connector 310"/>
           <p:cNvCxnSpPr/>
           <p:nvPr/>
         </p:nvCxnSpPr>
         <p:spPr>
           <a:xfrm>
-            <a:off x="7647351" y="1251950"/>
-            <a:ext cx="252000" cy="0"/>
+            <a:off x="7647351" y="1992847"/>
+            <a:ext cx="360000" cy="0"/>
           </a:xfrm>
           <a:prstGeom prst="straightConnector1">
             <a:avLst/>
@@ -4724,14 +4730,14 @@
       </p:cxnSp>
       <p:cxnSp>
         <p:nvCxnSpPr>
-          <p:cNvPr id="42" name="Straight Arrow Connector 41"/>
+          <p:cNvPr id="312" name="Straight Arrow Connector 311"/>
           <p:cNvCxnSpPr/>
           <p:nvPr/>
         </p:nvCxnSpPr>
         <p:spPr>
           <a:xfrm rot="5400000">
-            <a:off x="1594386" y="6509916"/>
-            <a:ext cx="252000" cy="0"/>
+            <a:off x="1540386" y="7136564"/>
+            <a:ext cx="360000" cy="0"/>
           </a:xfrm>
           <a:prstGeom prst="straightConnector1">
             <a:avLst/>
@@ -4760,14 +4766,14 @@
       </p:cxnSp>
       <p:cxnSp>
         <p:nvCxnSpPr>
-          <p:cNvPr id="43" name="Straight Arrow Connector 42"/>
+          <p:cNvPr id="313" name="Straight Arrow Connector 312"/>
           <p:cNvCxnSpPr/>
           <p:nvPr/>
         </p:nvCxnSpPr>
         <p:spPr>
           <a:xfrm rot="5400000">
-            <a:off x="1810584" y="6502821"/>
-            <a:ext cx="252000" cy="0"/>
+            <a:off x="1756584" y="7129469"/>
+            <a:ext cx="360000" cy="0"/>
           </a:xfrm>
           <a:prstGeom prst="straightConnector1">
             <a:avLst/>
@@ -4796,14 +4802,14 @@
       </p:cxnSp>
       <p:cxnSp>
         <p:nvCxnSpPr>
-          <p:cNvPr id="44" name="Straight Arrow Connector 43"/>
+          <p:cNvPr id="314" name="Straight Arrow Connector 313"/>
           <p:cNvCxnSpPr/>
           <p:nvPr/>
         </p:nvCxnSpPr>
         <p:spPr>
           <a:xfrm rot="5400000">
-            <a:off x="5043603" y="6498918"/>
-            <a:ext cx="252000" cy="0"/>
+            <a:off x="4989603" y="7125566"/>
+            <a:ext cx="360000" cy="0"/>
           </a:xfrm>
           <a:prstGeom prst="straightConnector1">
             <a:avLst/>
@@ -4834,14 +4840,14 @@
       </p:cxnSp>
       <p:cxnSp>
         <p:nvCxnSpPr>
-          <p:cNvPr id="45" name="Straight Arrow Connector 44"/>
+          <p:cNvPr id="315" name="Straight Arrow Connector 314"/>
           <p:cNvCxnSpPr/>
           <p:nvPr/>
         </p:nvCxnSpPr>
         <p:spPr>
           <a:xfrm rot="5400000">
-            <a:off x="8497771" y="6072625"/>
-            <a:ext cx="252000" cy="0"/>
+            <a:off x="8443771" y="6699273"/>
+            <a:ext cx="360000" cy="0"/>
           </a:xfrm>
           <a:prstGeom prst="straightConnector1">
             <a:avLst/>
@@ -4870,13 +4876,13 @@
       </p:cxnSp>
       <p:sp>
         <p:nvSpPr>
-          <p:cNvPr id="2" name="TextBox 1"/>
+          <p:cNvPr id="316" name="TextBox 315"/>
           <p:cNvSpPr txBox="1"/>
           <p:nvPr/>
         </p:nvSpPr>
         <p:spPr>
           <a:xfrm>
-            <a:off x="3463553" y="478960"/>
+            <a:off x="3463553" y="1219857"/>
             <a:ext cx="691121" cy="553998"/>
           </a:xfrm>
           <a:prstGeom prst="rect">
@@ -4900,13 +4906,13 @@
       </p:sp>
       <p:sp>
         <p:nvSpPr>
-          <p:cNvPr id="47" name="TextBox 46"/>
+          <p:cNvPr id="317" name="TextBox 316"/>
           <p:cNvSpPr txBox="1"/>
           <p:nvPr/>
         </p:nvSpPr>
         <p:spPr>
           <a:xfrm>
-            <a:off x="6845615" y="478960"/>
+            <a:off x="6845615" y="1219857"/>
             <a:ext cx="691121" cy="553998"/>
           </a:xfrm>
           <a:prstGeom prst="rect">
@@ -4930,13 +4936,13 @@
       </p:sp>
       <p:sp>
         <p:nvSpPr>
-          <p:cNvPr id="48" name="TextBox 47"/>
+          <p:cNvPr id="318" name="TextBox 317"/>
           <p:cNvSpPr txBox="1"/>
           <p:nvPr/>
         </p:nvSpPr>
         <p:spPr>
           <a:xfrm>
-            <a:off x="10295866" y="478960"/>
+            <a:off x="10295866" y="1219857"/>
             <a:ext cx="691121" cy="553998"/>
           </a:xfrm>
           <a:prstGeom prst="rect">
